--- a/ATIVIDADES.pptx
+++ b/ATIVIDADES.pptx
@@ -7,6 +7,7 @@
   <p:sldIdLst>
     <p:sldId id="257" r:id="rId2"/>
     <p:sldId id="258" r:id="rId3"/>
+    <p:sldId id="259" r:id="rId4"/>
   </p:sldIdLst>
   <p:sldSz cx="12192000" cy="6858000"/>
   <p:notesSz cx="6858000" cy="9144000"/>
@@ -260,7 +261,7 @@
           <a:p>
             <a:fld id="{0D55CCA1-5C99-43D8-BD1D-6EDDB3FDD360}" type="datetimeFigureOut">
               <a:rPr lang="pt-BR" smtClean="0"/>
-              <a:t>20/08/2021</a:t>
+              <a:t>21/08/2021</a:t>
             </a:fld>
             <a:endParaRPr lang="pt-BR"/>
           </a:p>
@@ -458,7 +459,7 @@
           <a:p>
             <a:fld id="{0D55CCA1-5C99-43D8-BD1D-6EDDB3FDD360}" type="datetimeFigureOut">
               <a:rPr lang="pt-BR" smtClean="0"/>
-              <a:t>20/08/2021</a:t>
+              <a:t>21/08/2021</a:t>
             </a:fld>
             <a:endParaRPr lang="pt-BR"/>
           </a:p>
@@ -666,7 +667,7 @@
           <a:p>
             <a:fld id="{0D55CCA1-5C99-43D8-BD1D-6EDDB3FDD360}" type="datetimeFigureOut">
               <a:rPr lang="pt-BR" smtClean="0"/>
-              <a:t>20/08/2021</a:t>
+              <a:t>21/08/2021</a:t>
             </a:fld>
             <a:endParaRPr lang="pt-BR"/>
           </a:p>
@@ -864,7 +865,7 @@
           <a:p>
             <a:fld id="{0D55CCA1-5C99-43D8-BD1D-6EDDB3FDD360}" type="datetimeFigureOut">
               <a:rPr lang="pt-BR" smtClean="0"/>
-              <a:t>20/08/2021</a:t>
+              <a:t>21/08/2021</a:t>
             </a:fld>
             <a:endParaRPr lang="pt-BR"/>
           </a:p>
@@ -1139,7 +1140,7 @@
           <a:p>
             <a:fld id="{0D55CCA1-5C99-43D8-BD1D-6EDDB3FDD360}" type="datetimeFigureOut">
               <a:rPr lang="pt-BR" smtClean="0"/>
-              <a:t>20/08/2021</a:t>
+              <a:t>21/08/2021</a:t>
             </a:fld>
             <a:endParaRPr lang="pt-BR"/>
           </a:p>
@@ -1404,7 +1405,7 @@
           <a:p>
             <a:fld id="{0D55CCA1-5C99-43D8-BD1D-6EDDB3FDD360}" type="datetimeFigureOut">
               <a:rPr lang="pt-BR" smtClean="0"/>
-              <a:t>20/08/2021</a:t>
+              <a:t>21/08/2021</a:t>
             </a:fld>
             <a:endParaRPr lang="pt-BR"/>
           </a:p>
@@ -1816,7 +1817,7 @@
           <a:p>
             <a:fld id="{0D55CCA1-5C99-43D8-BD1D-6EDDB3FDD360}" type="datetimeFigureOut">
               <a:rPr lang="pt-BR" smtClean="0"/>
-              <a:t>20/08/2021</a:t>
+              <a:t>21/08/2021</a:t>
             </a:fld>
             <a:endParaRPr lang="pt-BR"/>
           </a:p>
@@ -1957,7 +1958,7 @@
           <a:p>
             <a:fld id="{0D55CCA1-5C99-43D8-BD1D-6EDDB3FDD360}" type="datetimeFigureOut">
               <a:rPr lang="pt-BR" smtClean="0"/>
-              <a:t>20/08/2021</a:t>
+              <a:t>21/08/2021</a:t>
             </a:fld>
             <a:endParaRPr lang="pt-BR"/>
           </a:p>
@@ -2070,7 +2071,7 @@
           <a:p>
             <a:fld id="{0D55CCA1-5C99-43D8-BD1D-6EDDB3FDD360}" type="datetimeFigureOut">
               <a:rPr lang="pt-BR" smtClean="0"/>
-              <a:t>20/08/2021</a:t>
+              <a:t>21/08/2021</a:t>
             </a:fld>
             <a:endParaRPr lang="pt-BR"/>
           </a:p>
@@ -2381,7 +2382,7 @@
           <a:p>
             <a:fld id="{0D55CCA1-5C99-43D8-BD1D-6EDDB3FDD360}" type="datetimeFigureOut">
               <a:rPr lang="pt-BR" smtClean="0"/>
-              <a:t>20/08/2021</a:t>
+              <a:t>21/08/2021</a:t>
             </a:fld>
             <a:endParaRPr lang="pt-BR"/>
           </a:p>
@@ -2669,7 +2670,7 @@
           <a:p>
             <a:fld id="{0D55CCA1-5C99-43D8-BD1D-6EDDB3FDD360}" type="datetimeFigureOut">
               <a:rPr lang="pt-BR" smtClean="0"/>
-              <a:t>20/08/2021</a:t>
+              <a:t>21/08/2021</a:t>
             </a:fld>
             <a:endParaRPr lang="pt-BR"/>
           </a:p>
@@ -2910,7 +2911,7 @@
           <a:p>
             <a:fld id="{0D55CCA1-5C99-43D8-BD1D-6EDDB3FDD360}" type="datetimeFigureOut">
               <a:rPr lang="pt-BR" smtClean="0"/>
-              <a:t>20/08/2021</a:t>
+              <a:t>21/08/2021</a:t>
             </a:fld>
             <a:endParaRPr lang="pt-BR"/>
           </a:p>
@@ -3714,6 +3715,478 @@
 </p:sld>
 </file>
 
+<file path=ppt/slides/slide3.xml><?xml version="1.0" encoding="utf-8"?>
+<p:sld xmlns:a="http://schemas.openxmlformats.org/drawingml/2006/main" xmlns:r="http://schemas.openxmlformats.org/officeDocument/2006/relationships" xmlns:p="http://schemas.openxmlformats.org/presentationml/2006/main">
+  <p:cSld>
+    <p:spTree>
+      <p:nvGrpSpPr>
+        <p:cNvPr id="1" name=""/>
+        <p:cNvGrpSpPr/>
+        <p:nvPr/>
+      </p:nvGrpSpPr>
+      <p:grpSpPr>
+        <a:xfrm>
+          <a:off x="0" y="0"/>
+          <a:ext cx="0" cy="0"/>
+          <a:chOff x="0" y="0"/>
+          <a:chExt cx="0" cy="0"/>
+        </a:xfrm>
+      </p:grpSpPr>
+      <p:sp>
+        <p:nvSpPr>
+          <p:cNvPr id="2" name="Título 1">
+            <a:extLst>
+              <a:ext uri="{FF2B5EF4-FFF2-40B4-BE49-F238E27FC236}">
+                <a16:creationId xmlns:a16="http://schemas.microsoft.com/office/drawing/2014/main" id="{7DF212C2-F363-4747-9E8A-29AD057C1B18}"/>
+              </a:ext>
+            </a:extLst>
+          </p:cNvPr>
+          <p:cNvSpPr>
+            <a:spLocks noGrp="1"/>
+          </p:cNvSpPr>
+          <p:nvPr>
+            <p:ph type="title"/>
+          </p:nvPr>
+        </p:nvSpPr>
+        <p:spPr/>
+        <p:txBody>
+          <a:bodyPr/>
+          <a:lstStyle/>
+          <a:p>
+            <a:r>
+              <a:rPr lang="pt-BR" dirty="0"/>
+              <a:t>MONGODB –ATIVIDADE 3 – </a:t>
+            </a:r>
+            <a:r>
+              <a:rPr lang="pt-BR"/>
+              <a:t>3 PONTOS (PYTHON)</a:t>
+            </a:r>
+            <a:endParaRPr lang="pt-BR" dirty="0"/>
+          </a:p>
+        </p:txBody>
+      </p:sp>
+      <p:sp>
+        <p:nvSpPr>
+          <p:cNvPr id="3" name="Espaço Reservado para Conteúdo 2">
+            <a:extLst>
+              <a:ext uri="{FF2B5EF4-FFF2-40B4-BE49-F238E27FC236}">
+                <a16:creationId xmlns:a16="http://schemas.microsoft.com/office/drawing/2014/main" id="{BB1F4362-EE39-4823-947D-4C0AECAC7FC5}"/>
+              </a:ext>
+            </a:extLst>
+          </p:cNvPr>
+          <p:cNvSpPr>
+            <a:spLocks noGrp="1"/>
+          </p:cNvSpPr>
+          <p:nvPr>
+            <p:ph idx="1"/>
+          </p:nvPr>
+        </p:nvSpPr>
+        <p:spPr/>
+        <p:txBody>
+          <a:bodyPr>
+            <a:normAutofit fontScale="62500" lnSpcReduction="20000"/>
+          </a:bodyPr>
+          <a:lstStyle/>
+          <a:p>
+            <a:r>
+              <a:rPr lang="en-US" dirty="0" err="1"/>
+              <a:t>Baixar</a:t>
+            </a:r>
+            <a:r>
+              <a:rPr lang="en-US" dirty="0"/>
+              <a:t> </a:t>
+            </a:r>
+            <a:r>
+              <a:rPr lang="en-US" dirty="0" err="1"/>
+              <a:t>os</a:t>
+            </a:r>
+            <a:r>
+              <a:rPr lang="en-US" dirty="0"/>
+              <a:t> dados </a:t>
+            </a:r>
+            <a:r>
+              <a:rPr lang="en-US" dirty="0" err="1"/>
+              <a:t>mais</a:t>
+            </a:r>
+            <a:r>
+              <a:rPr lang="en-US" dirty="0"/>
+              <a:t> </a:t>
+            </a:r>
+            <a:r>
+              <a:rPr lang="en-US" dirty="0" err="1"/>
+              <a:t>recentes</a:t>
+            </a:r>
+            <a:r>
+              <a:rPr lang="en-US" dirty="0"/>
+              <a:t> de covid</a:t>
+            </a:r>
+          </a:p>
+          <a:p>
+            <a:r>
+              <a:rPr lang="pt-BR" dirty="0">
+                <a:hlinkClick r:id="rId2"/>
+              </a:rPr>
+              <a:t>https://github.com/owid/covid-19-data/raw/master/public/data/owid-covid-data.csv</a:t>
+            </a:r>
+            <a:r>
+              <a:rPr lang="pt-BR" dirty="0"/>
+              <a:t> </a:t>
+            </a:r>
+          </a:p>
+          <a:p>
+            <a:r>
+              <a:rPr lang="pt-BR" dirty="0"/>
+              <a:t>Importar o arquivo para </a:t>
+            </a:r>
+            <a:r>
+              <a:rPr lang="pt-BR" dirty="0" err="1"/>
+              <a:t>mongodb</a:t>
+            </a:r>
+            <a:r>
+              <a:rPr lang="pt-BR" dirty="0"/>
+              <a:t> usando </a:t>
+            </a:r>
+            <a:r>
+              <a:rPr lang="pt-BR" dirty="0" err="1"/>
+              <a:t>mongoimport</a:t>
+            </a:r>
+            <a:endParaRPr lang="pt-BR" dirty="0"/>
+          </a:p>
+          <a:p>
+            <a:r>
+              <a:rPr lang="pt-BR" dirty="0"/>
+              <a:t>Fazer uma consulta para recuperar os dados do brasil quando a imunização iniciou (data base) até o último registro</a:t>
+            </a:r>
+          </a:p>
+          <a:p>
+            <a:r>
+              <a:rPr lang="pt-BR" dirty="0"/>
+              <a:t>Criar dois vetores:</a:t>
+            </a:r>
+          </a:p>
+          <a:p>
+            <a:pPr lvl="1"/>
+            <a:r>
+              <a:rPr lang="pt-BR" dirty="0"/>
+              <a:t>1 – Diferença de dias da data de imunização para data base de imunização</a:t>
+            </a:r>
+          </a:p>
+          <a:p>
+            <a:pPr lvl="1"/>
+            <a:r>
+              <a:rPr lang="pt-BR" dirty="0"/>
+              <a:t>2 – Quantidade imunizada</a:t>
+            </a:r>
+          </a:p>
+          <a:p>
+            <a:r>
+              <a:rPr lang="pt-BR" dirty="0"/>
+              <a:t>Fazer regressão destes dois vetores, identificando o erro quadrado</a:t>
+            </a:r>
+          </a:p>
+          <a:p>
+            <a:r>
+              <a:rPr lang="pt-BR" dirty="0"/>
+              <a:t>Fazer a projeção para respondes as seguintes perguntas:</a:t>
+            </a:r>
+          </a:p>
+          <a:p>
+            <a:pPr lvl="1"/>
+            <a:r>
+              <a:rPr lang="pt-BR" dirty="0"/>
+              <a:t>Com quantos dias a partir da data base teremos os primeiros efeitos da imunidade de rebanho com 43%* da população imunizada?</a:t>
+            </a:r>
+          </a:p>
+          <a:p>
+            <a:pPr lvl="1"/>
+            <a:r>
+              <a:rPr lang="pt-BR" dirty="0"/>
+              <a:t>Com quantos dias a partir da data base de imunização atingiremos a </a:t>
+            </a:r>
+            <a:r>
+              <a:rPr lang="pt-BR" dirty="0" err="1"/>
+              <a:t>imuni~dade</a:t>
+            </a:r>
+            <a:r>
+              <a:rPr lang="pt-BR" dirty="0"/>
+              <a:t> de rebanho pela com 60% da população imunizada?</a:t>
+            </a:r>
+          </a:p>
+          <a:p>
+            <a:pPr lvl="1"/>
+            <a:r>
+              <a:rPr lang="pt-BR" dirty="0"/>
+              <a:t>Com quantos dias a partir da data base de imunização atingiremos 100% da população vacinada?</a:t>
+            </a:r>
+          </a:p>
+          <a:p>
+            <a:r>
+              <a:rPr lang="pt-BR" dirty="0"/>
+              <a:t>Fazer um gráfico com os dados reais e os dados projetados de imunização até atingir 100% da população (eixo x quantidade de dias decorridos desde a data base)</a:t>
+            </a:r>
+          </a:p>
+          <a:p>
+            <a:pPr lvl="1"/>
+            <a:endParaRPr lang="pt-BR" dirty="0"/>
+          </a:p>
+          <a:p>
+            <a:pPr lvl="1"/>
+            <a:endParaRPr lang="pt-BR" dirty="0"/>
+          </a:p>
+        </p:txBody>
+      </p:sp>
+      <p:sp>
+        <p:nvSpPr>
+          <p:cNvPr id="5" name="CaixaDeTexto 4">
+            <a:extLst>
+              <a:ext uri="{FF2B5EF4-FFF2-40B4-BE49-F238E27FC236}">
+                <a16:creationId xmlns:a16="http://schemas.microsoft.com/office/drawing/2014/main" id="{A00B443E-3E32-4C86-8001-6FB76621154F}"/>
+              </a:ext>
+            </a:extLst>
+          </p:cNvPr>
+          <p:cNvSpPr txBox="1"/>
+          <p:nvPr/>
+        </p:nvSpPr>
+        <p:spPr>
+          <a:xfrm>
+            <a:off x="6096000" y="6492875"/>
+            <a:ext cx="6094602" cy="253916"/>
+          </a:xfrm>
+          <a:prstGeom prst="rect">
+            <a:avLst/>
+          </a:prstGeom>
+          <a:noFill/>
+        </p:spPr>
+        <p:txBody>
+          <a:bodyPr wrap="square">
+            <a:spAutoFit/>
+          </a:bodyPr>
+          <a:lstStyle/>
+          <a:p>
+            <a:r>
+              <a:rPr lang="pt-BR" sz="1050" dirty="0">
+                <a:effectLst/>
+                <a:latin typeface="Calibri" panose="020F0502020204030204" pitchFamily="34" charset="0"/>
+                <a:ea typeface="Calibri" panose="020F0502020204030204" pitchFamily="34" charset="0"/>
+                <a:cs typeface="Times New Roman" panose="02020603050405020304" pitchFamily="18" charset="0"/>
+              </a:rPr>
+              <a:t>*A </a:t>
+            </a:r>
+            <a:r>
+              <a:rPr lang="pt-BR" sz="1050" dirty="0" err="1">
+                <a:effectLst/>
+                <a:latin typeface="Calibri" panose="020F0502020204030204" pitchFamily="34" charset="0"/>
+                <a:ea typeface="Calibri" panose="020F0502020204030204" pitchFamily="34" charset="0"/>
+                <a:cs typeface="Times New Roman" panose="02020603050405020304" pitchFamily="18" charset="0"/>
+              </a:rPr>
+              <a:t>mathematical</a:t>
+            </a:r>
+            <a:r>
+              <a:rPr lang="pt-BR" sz="1050" dirty="0">
+                <a:effectLst/>
+                <a:latin typeface="Calibri" panose="020F0502020204030204" pitchFamily="34" charset="0"/>
+                <a:ea typeface="Calibri" panose="020F0502020204030204" pitchFamily="34" charset="0"/>
+                <a:cs typeface="Times New Roman" panose="02020603050405020304" pitchFamily="18" charset="0"/>
+              </a:rPr>
+              <a:t> model </a:t>
+            </a:r>
+            <a:r>
+              <a:rPr lang="pt-BR" sz="1050" dirty="0" err="1">
+                <a:effectLst/>
+                <a:latin typeface="Calibri" panose="020F0502020204030204" pitchFamily="34" charset="0"/>
+                <a:ea typeface="Calibri" panose="020F0502020204030204" pitchFamily="34" charset="0"/>
+                <a:cs typeface="Times New Roman" panose="02020603050405020304" pitchFamily="18" charset="0"/>
+              </a:rPr>
+              <a:t>reveals</a:t>
+            </a:r>
+            <a:r>
+              <a:rPr lang="pt-BR" sz="1050" dirty="0">
+                <a:effectLst/>
+                <a:latin typeface="Calibri" panose="020F0502020204030204" pitchFamily="34" charset="0"/>
+                <a:ea typeface="Calibri" panose="020F0502020204030204" pitchFamily="34" charset="0"/>
+                <a:cs typeface="Times New Roman" panose="02020603050405020304" pitchFamily="18" charset="0"/>
+              </a:rPr>
+              <a:t> </a:t>
+            </a:r>
+            <a:r>
+              <a:rPr lang="pt-BR" sz="1050" dirty="0" err="1">
+                <a:effectLst/>
+                <a:latin typeface="Calibri" panose="020F0502020204030204" pitchFamily="34" charset="0"/>
+                <a:ea typeface="Calibri" panose="020F0502020204030204" pitchFamily="34" charset="0"/>
+                <a:cs typeface="Times New Roman" panose="02020603050405020304" pitchFamily="18" charset="0"/>
+              </a:rPr>
+              <a:t>the</a:t>
+            </a:r>
+            <a:r>
+              <a:rPr lang="pt-BR" sz="1050" dirty="0">
+                <a:effectLst/>
+                <a:latin typeface="Calibri" panose="020F0502020204030204" pitchFamily="34" charset="0"/>
+                <a:ea typeface="Calibri" panose="020F0502020204030204" pitchFamily="34" charset="0"/>
+                <a:cs typeface="Times New Roman" panose="02020603050405020304" pitchFamily="18" charset="0"/>
+              </a:rPr>
+              <a:t> </a:t>
+            </a:r>
+            <a:r>
+              <a:rPr lang="pt-BR" sz="1050" dirty="0" err="1">
+                <a:effectLst/>
+                <a:latin typeface="Calibri" panose="020F0502020204030204" pitchFamily="34" charset="0"/>
+                <a:ea typeface="Calibri" panose="020F0502020204030204" pitchFamily="34" charset="0"/>
+                <a:cs typeface="Times New Roman" panose="02020603050405020304" pitchFamily="18" charset="0"/>
+              </a:rPr>
+              <a:t>influence</a:t>
+            </a:r>
+            <a:r>
+              <a:rPr lang="pt-BR" sz="1050" dirty="0">
+                <a:effectLst/>
+                <a:latin typeface="Calibri" panose="020F0502020204030204" pitchFamily="34" charset="0"/>
+                <a:ea typeface="Calibri" panose="020F0502020204030204" pitchFamily="34" charset="0"/>
+                <a:cs typeface="Times New Roman" panose="02020603050405020304" pitchFamily="18" charset="0"/>
+              </a:rPr>
+              <a:t> </a:t>
+            </a:r>
+            <a:r>
+              <a:rPr lang="pt-BR" sz="1050" dirty="0" err="1">
+                <a:effectLst/>
+                <a:latin typeface="Calibri" panose="020F0502020204030204" pitchFamily="34" charset="0"/>
+                <a:ea typeface="Calibri" panose="020F0502020204030204" pitchFamily="34" charset="0"/>
+                <a:cs typeface="Times New Roman" panose="02020603050405020304" pitchFamily="18" charset="0"/>
+              </a:rPr>
+              <a:t>of</a:t>
+            </a:r>
+            <a:r>
+              <a:rPr lang="pt-BR" sz="1050" dirty="0">
+                <a:effectLst/>
+                <a:latin typeface="Calibri" panose="020F0502020204030204" pitchFamily="34" charset="0"/>
+                <a:ea typeface="Calibri" panose="020F0502020204030204" pitchFamily="34" charset="0"/>
+                <a:cs typeface="Times New Roman" panose="02020603050405020304" pitchFamily="18" charset="0"/>
+              </a:rPr>
+              <a:t> </a:t>
+            </a:r>
+            <a:r>
+              <a:rPr lang="pt-BR" sz="1050" dirty="0" err="1">
+                <a:effectLst/>
+                <a:latin typeface="Calibri" panose="020F0502020204030204" pitchFamily="34" charset="0"/>
+                <a:ea typeface="Calibri" panose="020F0502020204030204" pitchFamily="34" charset="0"/>
+                <a:cs typeface="Times New Roman" panose="02020603050405020304" pitchFamily="18" charset="0"/>
+              </a:rPr>
+              <a:t>population</a:t>
+            </a:r>
+            <a:r>
+              <a:rPr lang="pt-BR" sz="1050" dirty="0">
+                <a:effectLst/>
+                <a:latin typeface="Calibri" panose="020F0502020204030204" pitchFamily="34" charset="0"/>
+                <a:ea typeface="Calibri" panose="020F0502020204030204" pitchFamily="34" charset="0"/>
+                <a:cs typeface="Times New Roman" panose="02020603050405020304" pitchFamily="18" charset="0"/>
+              </a:rPr>
+              <a:t> </a:t>
+            </a:r>
+            <a:r>
+              <a:rPr lang="pt-BR" sz="1050" dirty="0" err="1">
+                <a:effectLst/>
+                <a:latin typeface="Calibri" panose="020F0502020204030204" pitchFamily="34" charset="0"/>
+                <a:ea typeface="Calibri" panose="020F0502020204030204" pitchFamily="34" charset="0"/>
+                <a:cs typeface="Times New Roman" panose="02020603050405020304" pitchFamily="18" charset="0"/>
+              </a:rPr>
+              <a:t>heterogeneity</a:t>
+            </a:r>
+            <a:r>
+              <a:rPr lang="pt-BR" sz="1050" dirty="0">
+                <a:effectLst/>
+                <a:latin typeface="Calibri" panose="020F0502020204030204" pitchFamily="34" charset="0"/>
+                <a:ea typeface="Calibri" panose="020F0502020204030204" pitchFamily="34" charset="0"/>
+                <a:cs typeface="Times New Roman" panose="02020603050405020304" pitchFamily="18" charset="0"/>
+              </a:rPr>
+              <a:t> </a:t>
+            </a:r>
+            <a:r>
+              <a:rPr lang="pt-BR" sz="1050" dirty="0" err="1">
+                <a:effectLst/>
+                <a:latin typeface="Calibri" panose="020F0502020204030204" pitchFamily="34" charset="0"/>
+                <a:ea typeface="Calibri" panose="020F0502020204030204" pitchFamily="34" charset="0"/>
+                <a:cs typeface="Times New Roman" panose="02020603050405020304" pitchFamily="18" charset="0"/>
+              </a:rPr>
+              <a:t>on</a:t>
+            </a:r>
+            <a:r>
+              <a:rPr lang="pt-BR" sz="1050" dirty="0">
+                <a:effectLst/>
+                <a:latin typeface="Calibri" panose="020F0502020204030204" pitchFamily="34" charset="0"/>
+                <a:ea typeface="Calibri" panose="020F0502020204030204" pitchFamily="34" charset="0"/>
+                <a:cs typeface="Times New Roman" panose="02020603050405020304" pitchFamily="18" charset="0"/>
+              </a:rPr>
+              <a:t> </a:t>
+            </a:r>
+            <a:r>
+              <a:rPr lang="pt-BR" sz="1050" dirty="0" err="1">
+                <a:effectLst/>
+                <a:latin typeface="Calibri" panose="020F0502020204030204" pitchFamily="34" charset="0"/>
+                <a:ea typeface="Calibri" panose="020F0502020204030204" pitchFamily="34" charset="0"/>
+                <a:cs typeface="Times New Roman" panose="02020603050405020304" pitchFamily="18" charset="0"/>
+              </a:rPr>
+              <a:t>herd</a:t>
+            </a:r>
+            <a:r>
+              <a:rPr lang="pt-BR" sz="1050" dirty="0">
+                <a:effectLst/>
+                <a:latin typeface="Calibri" panose="020F0502020204030204" pitchFamily="34" charset="0"/>
+                <a:ea typeface="Calibri" panose="020F0502020204030204" pitchFamily="34" charset="0"/>
+                <a:cs typeface="Times New Roman" panose="02020603050405020304" pitchFamily="18" charset="0"/>
+              </a:rPr>
+              <a:t> </a:t>
+            </a:r>
+            <a:r>
+              <a:rPr lang="pt-BR" sz="1050" dirty="0" err="1">
+                <a:effectLst/>
+                <a:latin typeface="Calibri" panose="020F0502020204030204" pitchFamily="34" charset="0"/>
+                <a:ea typeface="Calibri" panose="020F0502020204030204" pitchFamily="34" charset="0"/>
+                <a:cs typeface="Times New Roman" panose="02020603050405020304" pitchFamily="18" charset="0"/>
+              </a:rPr>
+              <a:t>immunity</a:t>
+            </a:r>
+            <a:r>
+              <a:rPr lang="pt-BR" sz="1050" dirty="0">
+                <a:effectLst/>
+                <a:latin typeface="Calibri" panose="020F0502020204030204" pitchFamily="34" charset="0"/>
+                <a:ea typeface="Calibri" panose="020F0502020204030204" pitchFamily="34" charset="0"/>
+                <a:cs typeface="Times New Roman" panose="02020603050405020304" pitchFamily="18" charset="0"/>
+              </a:rPr>
+              <a:t> </a:t>
+            </a:r>
+            <a:r>
+              <a:rPr lang="pt-BR" sz="1050" dirty="0" err="1">
+                <a:effectLst/>
+                <a:latin typeface="Calibri" panose="020F0502020204030204" pitchFamily="34" charset="0"/>
+                <a:ea typeface="Calibri" panose="020F0502020204030204" pitchFamily="34" charset="0"/>
+                <a:cs typeface="Times New Roman" panose="02020603050405020304" pitchFamily="18" charset="0"/>
+              </a:rPr>
+              <a:t>to</a:t>
+            </a:r>
+            <a:r>
+              <a:rPr lang="pt-BR" sz="1050" dirty="0">
+                <a:effectLst/>
+                <a:latin typeface="Calibri" panose="020F0502020204030204" pitchFamily="34" charset="0"/>
+                <a:ea typeface="Calibri" panose="020F0502020204030204" pitchFamily="34" charset="0"/>
+                <a:cs typeface="Times New Roman" panose="02020603050405020304" pitchFamily="18" charset="0"/>
+              </a:rPr>
+              <a:t> SARS-CoV-2</a:t>
+            </a:r>
+            <a:endParaRPr lang="pt-BR" sz="1050" dirty="0"/>
+          </a:p>
+        </p:txBody>
+      </p:sp>
+    </p:spTree>
+    <p:extLst>
+      <p:ext uri="{BB962C8B-B14F-4D97-AF65-F5344CB8AC3E}">
+        <p14:creationId xmlns:p14="http://schemas.microsoft.com/office/powerpoint/2010/main" val="3802337300"/>
+      </p:ext>
+    </p:extLst>
+  </p:cSld>
+  <p:clrMapOvr>
+    <a:masterClrMapping/>
+  </p:clrMapOvr>
+</p:sld>
+</file>
+
 <file path=ppt/theme/theme1.xml><?xml version="1.0" encoding="utf-8"?>
 <a:theme xmlns:a="http://schemas.openxmlformats.org/drawingml/2006/main" name="Tema do Office">
   <a:themeElements>

--- a/ATIVIDADES.pptx
+++ b/ATIVIDADES.pptx
@@ -3875,7 +3875,15 @@
             <a:pPr lvl="1"/>
             <a:r>
               <a:rPr lang="pt-BR" dirty="0"/>
-              <a:t>2 – Quantidade imunizada</a:t>
+              <a:t>2 – Quantidade imunizada (</a:t>
+            </a:r>
+            <a:r>
+              <a:rPr lang="pt-BR" dirty="0" err="1"/>
+              <a:t>people_fully_vaccinated</a:t>
+            </a:r>
+            <a:r>
+              <a:rPr lang="pt-BR" dirty="0"/>
+              <a:t>)</a:t>
             </a:r>
           </a:p>
           <a:p>
@@ -3901,15 +3909,7 @@
             <a:pPr lvl="1"/>
             <a:r>
               <a:rPr lang="pt-BR" dirty="0"/>
-              <a:t>Com quantos dias a partir da data base de imunização atingiremos a </a:t>
-            </a:r>
-            <a:r>
-              <a:rPr lang="pt-BR" dirty="0" err="1"/>
-              <a:t>imuni~dade</a:t>
-            </a:r>
-            <a:r>
-              <a:rPr lang="pt-BR" dirty="0"/>
-              <a:t> de rebanho pela com 60% da população imunizada?</a:t>
+              <a:t>Com quantos dias a partir da data base de imunização atingiremos a imunidade de rebanho pela com 60% da população imunizada?</a:t>
             </a:r>
           </a:p>
           <a:p>
